--- a/output/ebook-template-1.pptx
+++ b/output/ebook-template-1.pptx
@@ -3617,7 +3617,7 @@
             <a:avLst/>
           </a:prstGeom>
           <a:solidFill>
-            <a:srgbClr val="0D0A27"/>
+            <a:srgbClr val="121C27"/>
           </a:solidFill>
           <a:ln>
             <a:noFill/>
@@ -3650,10 +3650,10 @@
       </p:sp>
       <p:pic>
         <p:nvPicPr>
-          <p:cNvPr id="4" name="Imagem 3">
-            <a:extLst>
-              <a:ext uri="{FF2B5EF4-FFF2-40B4-BE49-F238E27FC236}">
-                <a16:creationId xmlns:a16="http://schemas.microsoft.com/office/drawing/2014/main" id="{27A8CEA3-5D45-AE2D-F42B-DA374CA9A4A7}"/>
+          <p:cNvPr id="8" name="Imagem 7">
+            <a:extLst>
+              <a:ext uri="{FF2B5EF4-FFF2-40B4-BE49-F238E27FC236}">
+                <a16:creationId xmlns:a16="http://schemas.microsoft.com/office/drawing/2014/main" id="{369BF8FF-FEF8-B41E-7979-CF0C211F6546}"/>
               </a:ext>
             </a:extLst>
           </p:cNvPr>
@@ -3676,12 +3676,15 @@
         </p:blipFill>
         <p:spPr>
           <a:xfrm>
-            <a:off x="0" y="0"/>
-            <a:ext cx="9684965" cy="11322644"/>
-          </a:xfrm>
-          <a:prstGeom prst="rect">
-            <a:avLst/>
-          </a:prstGeom>
+            <a:off x="-35197" y="0"/>
+            <a:ext cx="9601200" cy="9601200"/>
+          </a:xfrm>
+          <a:prstGeom prst="rect">
+            <a:avLst/>
+          </a:prstGeom>
+          <a:solidFill>
+            <a:srgbClr val="121C27"/>
+          </a:solidFill>
         </p:spPr>
       </p:pic>
       <p:sp>
@@ -3745,14 +3748,14 @@
         </p:nvSpPr>
         <p:spPr>
           <a:xfrm>
-            <a:off x="0" y="6448004"/>
-            <a:ext cx="9684965" cy="1382502"/>
+            <a:off x="-35196" y="6484571"/>
+            <a:ext cx="9601200" cy="1382502"/>
           </a:xfrm>
           <a:prstGeom prst="rect">
             <a:avLst/>
           </a:prstGeom>
           <a:solidFill>
-            <a:srgbClr val="0D0A27"/>
+            <a:srgbClr val="121C27"/>
           </a:solidFill>
           <a:ln>
             <a:noFill/>
@@ -3825,7 +3828,7 @@
         <p:spPr>
           <a:xfrm>
             <a:off x="-35197" y="7730184"/>
-            <a:ext cx="9720162" cy="4067739"/>
+            <a:ext cx="9601200" cy="4067739"/>
           </a:xfrm>
           <a:prstGeom prst="rect">
             <a:avLst/>
